--- a/src/main/resources/docs/Final Presentation.pptx
+++ b/src/main/resources/docs/Final Presentation.pptx
@@ -9,12 +9,13 @@
     <p:sldId id="258" r:id="rId3"/>
     <p:sldId id="259" r:id="rId4"/>
     <p:sldId id="261" r:id="rId5"/>
-    <p:sldId id="262" r:id="rId6"/>
-    <p:sldId id="265" r:id="rId7"/>
-    <p:sldId id="266" r:id="rId8"/>
-    <p:sldId id="267" r:id="rId9"/>
-    <p:sldId id="268" r:id="rId10"/>
-    <p:sldId id="269" r:id="rId11"/>
+    <p:sldId id="270" r:id="rId6"/>
+    <p:sldId id="262" r:id="rId7"/>
+    <p:sldId id="265" r:id="rId8"/>
+    <p:sldId id="266" r:id="rId9"/>
+    <p:sldId id="267" r:id="rId10"/>
+    <p:sldId id="268" r:id="rId11"/>
+    <p:sldId id="269" r:id="rId12"/>
   </p:sldIdLst>
   <p:sldSz cx="12192000" cy="6858000"/>
   <p:notesSz cx="6858000" cy="9144000"/>
@@ -3061,16 +3062,7 @@
                 </a:solidFill>
                 <a:latin typeface="Impact" panose="020B0806030902050204" pitchFamily="34" charset="0"/>
               </a:rPr>
-              <a:t>, </a:t>
-            </a:r>
-            <a:r>
-              <a:rPr lang="en-US" dirty="0">
-                <a:solidFill>
-                  <a:schemeClr val="bg1"/>
-                </a:solidFill>
-                <a:latin typeface="Impact" panose="020B0806030902050204" pitchFamily="34" charset="0"/>
-              </a:rPr>
-              <a:t>Deep </a:t>
+              <a:t>, Deep </a:t>
             </a:r>
           </a:p>
         </p:txBody>
@@ -3089,6 +3081,82 @@
 </file>
 
 <file path=ppt/slides/slide10.xml><?xml version="1.0" encoding="utf-8"?>
+<p:sld xmlns:a="http://schemas.openxmlformats.org/drawingml/2006/main" xmlns:r="http://schemas.openxmlformats.org/officeDocument/2006/relationships" xmlns:p="http://schemas.openxmlformats.org/presentationml/2006/main">
+  <p:cSld>
+    <p:bg>
+      <p:bgPr>
+        <a:solidFill>
+          <a:srgbClr val="3F51B5"/>
+        </a:solidFill>
+        <a:effectLst/>
+      </p:bgPr>
+    </p:bg>
+    <p:spTree>
+      <p:nvGrpSpPr>
+        <p:cNvPr id="1" name=""/>
+        <p:cNvGrpSpPr/>
+        <p:nvPr/>
+      </p:nvGrpSpPr>
+      <p:grpSpPr>
+        <a:xfrm>
+          <a:off x="0" y="0"/>
+          <a:ext cx="0" cy="0"/>
+          <a:chOff x="0" y="0"/>
+          <a:chExt cx="0" cy="0"/>
+        </a:xfrm>
+      </p:grpSpPr>
+      <p:sp>
+        <p:nvSpPr>
+          <p:cNvPr id="4" name="Title 3"/>
+          <p:cNvSpPr txBox="1">
+            <a:spLocks noGrp="1"/>
+          </p:cNvSpPr>
+          <p:nvPr>
+            <p:ph type="ctrTitle"/>
+          </p:nvPr>
+        </p:nvSpPr>
+        <p:spPr>
+          <a:xfrm>
+            <a:off x="1524000" y="2496437"/>
+            <a:ext cx="9144000" cy="1865126"/>
+          </a:xfrm>
+          <a:prstGeom prst="rect">
+            <a:avLst/>
+          </a:prstGeom>
+          <a:noFill/>
+        </p:spPr>
+        <p:txBody>
+          <a:bodyPr wrap="square" rtlCol="0">
+            <a:spAutoFit/>
+          </a:bodyPr>
+          <a:lstStyle/>
+          <a:p>
+            <a:r>
+              <a:rPr lang="en-US" sz="3200" dirty="0">
+                <a:solidFill>
+                  <a:schemeClr val="bg1"/>
+                </a:solidFill>
+                <a:latin typeface="Impact" panose="020B0806030902050204" pitchFamily="34" charset="0"/>
+              </a:rPr>
+              <a:t>Compose objects into tree structures to represent whole-part hierarchies. Composite lets clients treat individual objects and compositions of objects uniformly.</a:t>
+            </a:r>
+          </a:p>
+        </p:txBody>
+      </p:sp>
+    </p:spTree>
+    <p:extLst>
+      <p:ext uri="{BB962C8B-B14F-4D97-AF65-F5344CB8AC3E}">
+        <p14:creationId xmlns:p14="http://schemas.microsoft.com/office/powerpoint/2010/main" val="4097224913"/>
+      </p:ext>
+    </p:extLst>
+  </p:cSld>
+  <p:clrMapOvr>
+    <a:masterClrMapping/>
+  </p:clrMapOvr>
+</p:sld>
+</file>
+
+<file path=ppt/slides/slide11.xml><?xml version="1.0" encoding="utf-8"?>
 <p:sld xmlns:a="http://schemas.openxmlformats.org/drawingml/2006/main" xmlns:r="http://schemas.openxmlformats.org/officeDocument/2006/relationships" xmlns:p="http://schemas.openxmlformats.org/presentationml/2006/main">
   <p:cSld>
     <p:bg>
@@ -3659,8 +3727,8 @@
       </p:grpSpPr>
       <p:sp>
         <p:nvSpPr>
-          <p:cNvPr id="6" name="Title 1"/>
-          <p:cNvSpPr>
+          <p:cNvPr id="7" name="Title 6"/>
+          <p:cNvSpPr txBox="1">
             <a:spLocks noGrp="1"/>
           </p:cNvSpPr>
           <p:nvPr>
@@ -3669,32 +3737,354 @@
         </p:nvSpPr>
         <p:spPr>
           <a:xfrm>
-            <a:off x="1524000" y="2607632"/>
-            <a:ext cx="9173378" cy="1642737"/>
+            <a:off x="1405504" y="2072663"/>
+            <a:ext cx="9174163" cy="535531"/>
           </a:xfrm>
+          <a:prstGeom prst="rect">
+            <a:avLst/>
+          </a:prstGeom>
+          <a:noFill/>
         </p:spPr>
         <p:txBody>
-          <a:bodyPr>
-            <a:normAutofit/>
+          <a:bodyPr wrap="square" rtlCol="0">
+            <a:spAutoFit/>
           </a:bodyPr>
           <a:lstStyle/>
           <a:p>
-            <a:r>
-              <a:rPr lang="en-US" sz="9600" dirty="0">
+            <a:pPr algn="ctr"/>
+            <a:r>
+              <a:rPr lang="en-US" sz="3200" dirty="0">
                 <a:solidFill>
                   <a:schemeClr val="bg1"/>
                 </a:solidFill>
                 <a:latin typeface="Impact" panose="020B0806030902050204" pitchFamily="34" charset="0"/>
               </a:rPr>
-              <a:t>ADAPTER</a:t>
-            </a:r>
-          </a:p>
-        </p:txBody>
-      </p:sp>
+              <a:t>Event dispatcher </a:t>
+            </a:r>
+          </a:p>
+        </p:txBody>
+      </p:sp>
+      <p:pic>
+        <p:nvPicPr>
+          <p:cNvPr id="2" name="Picture 1"/>
+          <p:cNvPicPr>
+            <a:picLocks noChangeAspect="1"/>
+          </p:cNvPicPr>
+          <p:nvPr/>
+        </p:nvPicPr>
+        <p:blipFill>
+          <a:blip r:embed="rId2"/>
+          <a:stretch>
+            <a:fillRect/>
+          </a:stretch>
+        </p:blipFill>
+        <p:spPr>
+          <a:xfrm>
+            <a:off x="350069" y="2799785"/>
+            <a:ext cx="5387992" cy="2399234"/>
+          </a:xfrm>
+          <a:prstGeom prst="rect">
+            <a:avLst/>
+          </a:prstGeom>
+        </p:spPr>
+      </p:pic>
+      <p:sp>
+        <p:nvSpPr>
+          <p:cNvPr id="8" name="Rectangle 7"/>
+          <p:cNvSpPr/>
+          <p:nvPr/>
+        </p:nvSpPr>
+        <p:spPr>
+          <a:xfrm>
+            <a:off x="6903991" y="2849918"/>
+            <a:ext cx="5209452" cy="2308324"/>
+          </a:xfrm>
+          <a:prstGeom prst="rect">
+            <a:avLst/>
+          </a:prstGeom>
+          <a:ln>
+            <a:solidFill>
+              <a:schemeClr val="bg1"/>
+            </a:solidFill>
+          </a:ln>
+        </p:spPr>
+        <p:txBody>
+          <a:bodyPr wrap="square">
+            <a:spAutoFit/>
+          </a:bodyPr>
+          <a:lstStyle/>
+          <a:p>
+            <a:r>
+              <a:rPr lang="en-US" dirty="0">
+                <a:solidFill>
+                  <a:srgbClr val="84B4E0"/>
+                </a:solidFill>
+                <a:latin typeface="DroidSansMono"/>
+              </a:rPr>
+              <a:t>public class </a:t>
+            </a:r>
+            <a:r>
+              <a:rPr lang="en-US" dirty="0" err="1">
+                <a:solidFill>
+                  <a:srgbClr val="FFFF00"/>
+                </a:solidFill>
+                <a:latin typeface="DroidSansMono"/>
+              </a:rPr>
+              <a:t>EventDispacher</a:t>
+            </a:r>
+            <a:r>
+              <a:rPr lang="en-US" dirty="0">
+                <a:solidFill>
+                  <a:srgbClr val="FD536A"/>
+                </a:solidFill>
+                <a:latin typeface="DroidSansMono"/>
+              </a:rPr>
+              <a:t> </a:t>
+            </a:r>
+          </a:p>
+          <a:p>
+            <a:r>
+              <a:rPr lang="en-US" dirty="0">
+                <a:solidFill>
+                  <a:schemeClr val="bg1"/>
+                </a:solidFill>
+                <a:latin typeface="DroidSansMono"/>
+              </a:rPr>
+              <a:t>{</a:t>
+            </a:r>
+            <a:endParaRPr lang="en-US" dirty="0">
+              <a:solidFill>
+                <a:schemeClr val="accent1">
+                  <a:lumMod val="60000"/>
+                  <a:lumOff val="40000"/>
+                </a:schemeClr>
+              </a:solidFill>
+              <a:latin typeface="DroidSansMono"/>
+            </a:endParaRPr>
+          </a:p>
+          <a:p>
+            <a:r>
+              <a:rPr lang="en-US" dirty="0">
+                <a:solidFill>
+                  <a:srgbClr val="84B4E0"/>
+                </a:solidFill>
+                <a:latin typeface="DroidSansMono"/>
+              </a:rPr>
+              <a:t>public static </a:t>
+            </a:r>
+            <a:r>
+              <a:rPr lang="en-US" dirty="0" err="1">
+                <a:solidFill>
+                  <a:srgbClr val="84B4E0"/>
+                </a:solidFill>
+                <a:latin typeface="DroidSansMono"/>
+              </a:rPr>
+              <a:t>EventDispacher</a:t>
+            </a:r>
+            <a:r>
+              <a:rPr lang="en-US" dirty="0">
+                <a:solidFill>
+                  <a:srgbClr val="84B4E0"/>
+                </a:solidFill>
+                <a:latin typeface="DroidSansMono"/>
+              </a:rPr>
+              <a:t> </a:t>
+            </a:r>
+            <a:r>
+              <a:rPr lang="en-US" dirty="0" err="1">
+                <a:solidFill>
+                  <a:srgbClr val="FFFF00"/>
+                </a:solidFill>
+                <a:latin typeface="DroidSansMono"/>
+              </a:rPr>
+              <a:t>getInstance</a:t>
+            </a:r>
+            <a:r>
+              <a:rPr lang="en-US" dirty="0">
+                <a:solidFill>
+                  <a:srgbClr val="979797"/>
+                </a:solidFill>
+                <a:latin typeface="DroidSansMono"/>
+              </a:rPr>
+              <a:t>() </a:t>
+            </a:r>
+            <a:r>
+              <a:rPr lang="en-US" dirty="0">
+                <a:solidFill>
+                  <a:schemeClr val="bg1"/>
+                </a:solidFill>
+                <a:latin typeface="DroidSansMono"/>
+              </a:rPr>
+              <a:t>{</a:t>
+            </a:r>
+          </a:p>
+          <a:p>
+            <a:r>
+              <a:rPr lang="en-US" dirty="0">
+                <a:solidFill>
+                  <a:schemeClr val="bg1"/>
+                </a:solidFill>
+                <a:latin typeface="DroidSansMono"/>
+              </a:rPr>
+              <a:t>	If (</a:t>
+            </a:r>
+            <a:r>
+              <a:rPr lang="en-US" dirty="0" err="1">
+                <a:solidFill>
+                  <a:schemeClr val="bg1"/>
+                </a:solidFill>
+                <a:latin typeface="DroidSansMono"/>
+              </a:rPr>
+              <a:t>EventDispacher.instance</a:t>
+            </a:r>
+            <a:r>
+              <a:rPr lang="en-US" dirty="0">
+                <a:solidFill>
+                  <a:schemeClr val="bg1"/>
+                </a:solidFill>
+                <a:latin typeface="DroidSansMono"/>
+              </a:rPr>
+              <a:t> == null){</a:t>
+            </a:r>
+          </a:p>
+          <a:p>
+            <a:r>
+              <a:rPr lang="en-US" dirty="0">
+                <a:solidFill>
+                  <a:schemeClr val="bg1"/>
+                </a:solidFill>
+                <a:latin typeface="DroidSansMono"/>
+              </a:rPr>
+              <a:t>	 </a:t>
+            </a:r>
+            <a:r>
+              <a:rPr lang="en-US" dirty="0" err="1">
+                <a:solidFill>
+                  <a:schemeClr val="bg1"/>
+                </a:solidFill>
+                <a:latin typeface="DroidSansMono"/>
+              </a:rPr>
+              <a:t>EventDispacher.instance</a:t>
+            </a:r>
+            <a:r>
+              <a:rPr lang="en-US" dirty="0">
+                <a:solidFill>
+                  <a:schemeClr val="bg1"/>
+                </a:solidFill>
+                <a:latin typeface="DroidSansMono"/>
+              </a:rPr>
+              <a:t> = new Container();</a:t>
+            </a:r>
+          </a:p>
+          <a:p>
+            <a:r>
+              <a:rPr lang="en-US" dirty="0">
+                <a:solidFill>
+                  <a:schemeClr val="bg1"/>
+                </a:solidFill>
+                <a:latin typeface="DroidSansMono"/>
+              </a:rPr>
+              <a:t>}</a:t>
+            </a:r>
+          </a:p>
+          <a:p>
+            <a:r>
+              <a:rPr lang="en-US" dirty="0">
+                <a:solidFill>
+                  <a:srgbClr val="84B4E0"/>
+                </a:solidFill>
+                <a:latin typeface="DroidSansMono"/>
+              </a:rPr>
+              <a:t>return</a:t>
+            </a:r>
+            <a:r>
+              <a:rPr lang="en-US" dirty="0">
+                <a:solidFill>
+                  <a:srgbClr val="000000"/>
+                </a:solidFill>
+                <a:latin typeface="DroidSansMono"/>
+              </a:rPr>
+              <a:t> </a:t>
+            </a:r>
+            <a:r>
+              <a:rPr lang="en-US" dirty="0" err="1">
+                <a:solidFill>
+                  <a:schemeClr val="bg1"/>
+                </a:solidFill>
+                <a:latin typeface="DroidSansMono"/>
+              </a:rPr>
+              <a:t>EventDispacher.instance</a:t>
+            </a:r>
+            <a:r>
+              <a:rPr lang="en-US" dirty="0">
+                <a:solidFill>
+                  <a:schemeClr val="bg1"/>
+                </a:solidFill>
+                <a:latin typeface="DroidSansMono"/>
+              </a:rPr>
+              <a:t>;</a:t>
+            </a:r>
+          </a:p>
+          <a:p>
+            <a:r>
+              <a:rPr lang="en-US" dirty="0">
+                <a:solidFill>
+                  <a:schemeClr val="bg1"/>
+                </a:solidFill>
+                <a:latin typeface="DroidSansMono"/>
+              </a:rPr>
+              <a:t>}</a:t>
+            </a:r>
+            <a:endParaRPr lang="en-US" dirty="0">
+              <a:solidFill>
+                <a:schemeClr val="bg1"/>
+              </a:solidFill>
+            </a:endParaRPr>
+          </a:p>
+        </p:txBody>
+      </p:sp>
+      <p:cxnSp>
+        <p:nvCxnSpPr>
+          <p:cNvPr id="9" name="Straight Connector 8"/>
+          <p:cNvCxnSpPr>
+            <a:stCxn id="2" idx="3"/>
+            <a:endCxn id="8" idx="1"/>
+          </p:cNvCxnSpPr>
+          <p:nvPr/>
+        </p:nvCxnSpPr>
+        <p:spPr>
+          <a:xfrm>
+            <a:off x="5738061" y="3999402"/>
+            <a:ext cx="1165930" cy="4678"/>
+          </a:xfrm>
+          <a:prstGeom prst="line">
+            <a:avLst/>
+          </a:prstGeom>
+          <a:ln>
+            <a:solidFill>
+              <a:schemeClr val="bg1"/>
+            </a:solidFill>
+          </a:ln>
+        </p:spPr>
+        <p:style>
+          <a:lnRef idx="3">
+            <a:schemeClr val="dk1"/>
+          </a:lnRef>
+          <a:fillRef idx="0">
+            <a:schemeClr val="dk1"/>
+          </a:fillRef>
+          <a:effectRef idx="2">
+            <a:schemeClr val="dk1"/>
+          </a:effectRef>
+          <a:fontRef idx="minor">
+            <a:schemeClr val="tx1"/>
+          </a:fontRef>
+        </p:style>
+      </p:cxnSp>
     </p:spTree>
     <p:extLst>
       <p:ext uri="{BB962C8B-B14F-4D97-AF65-F5344CB8AC3E}">
-        <p14:creationId xmlns:p14="http://schemas.microsoft.com/office/powerpoint/2010/main" val="3262678696"/>
+        <p14:creationId xmlns:p14="http://schemas.microsoft.com/office/powerpoint/2010/main" val="4096045501"/>
       </p:ext>
     </p:extLst>
   </p:cSld>
@@ -3731,6 +4121,78 @@
       </p:grpSpPr>
       <p:sp>
         <p:nvSpPr>
+          <p:cNvPr id="6" name="Title 1"/>
+          <p:cNvSpPr>
+            <a:spLocks noGrp="1"/>
+          </p:cNvSpPr>
+          <p:nvPr>
+            <p:ph type="ctrTitle"/>
+          </p:nvPr>
+        </p:nvSpPr>
+        <p:spPr>
+          <a:xfrm>
+            <a:off x="1524000" y="2607632"/>
+            <a:ext cx="9173378" cy="1642737"/>
+          </a:xfrm>
+        </p:spPr>
+        <p:txBody>
+          <a:bodyPr>
+            <a:normAutofit/>
+          </a:bodyPr>
+          <a:lstStyle/>
+          <a:p>
+            <a:r>
+              <a:rPr lang="en-US" sz="9600" dirty="0">
+                <a:solidFill>
+                  <a:schemeClr val="bg1"/>
+                </a:solidFill>
+                <a:latin typeface="Impact" panose="020B0806030902050204" pitchFamily="34" charset="0"/>
+              </a:rPr>
+              <a:t>ADAPTER</a:t>
+            </a:r>
+          </a:p>
+        </p:txBody>
+      </p:sp>
+    </p:spTree>
+    <p:extLst>
+      <p:ext uri="{BB962C8B-B14F-4D97-AF65-F5344CB8AC3E}">
+        <p14:creationId xmlns:p14="http://schemas.microsoft.com/office/powerpoint/2010/main" val="3262678696"/>
+      </p:ext>
+    </p:extLst>
+  </p:cSld>
+  <p:clrMapOvr>
+    <a:masterClrMapping/>
+  </p:clrMapOvr>
+</p:sld>
+</file>
+
+<file path=ppt/slides/slide7.xml><?xml version="1.0" encoding="utf-8"?>
+<p:sld xmlns:a="http://schemas.openxmlformats.org/drawingml/2006/main" xmlns:r="http://schemas.openxmlformats.org/officeDocument/2006/relationships" xmlns:p="http://schemas.openxmlformats.org/presentationml/2006/main">
+  <p:cSld>
+    <p:bg>
+      <p:bgPr>
+        <a:solidFill>
+          <a:srgbClr val="3F51B5"/>
+        </a:solidFill>
+        <a:effectLst/>
+      </p:bgPr>
+    </p:bg>
+    <p:spTree>
+      <p:nvGrpSpPr>
+        <p:cNvPr id="1" name=""/>
+        <p:cNvGrpSpPr/>
+        <p:nvPr/>
+      </p:nvGrpSpPr>
+      <p:grpSpPr>
+        <a:xfrm>
+          <a:off x="0" y="0"/>
+          <a:ext cx="0" cy="0"/>
+          <a:chOff x="0" y="0"/>
+          <a:chExt cx="0" cy="0"/>
+        </a:xfrm>
+      </p:grpSpPr>
+      <p:sp>
+        <p:nvSpPr>
           <p:cNvPr id="4" name="TextBox 3"/>
           <p:cNvSpPr txBox="1"/>
           <p:nvPr/>
@@ -3761,12 +4223,6 @@
               </a:rPr>
               <a:t>The Adapter design pattern allows otherwise incompatible classes to work together by converting the interface of one class into an interface expected by the clients.</a:t>
             </a:r>
-            <a:endParaRPr lang="en-US" sz="3200" dirty="0">
-              <a:solidFill>
-                <a:schemeClr val="bg1"/>
-              </a:solidFill>
-              <a:latin typeface="Impact" panose="020B0806030902050204" pitchFamily="34" charset="0"/>
-            </a:endParaRPr>
           </a:p>
         </p:txBody>
       </p:sp>
@@ -3783,7 +4239,7 @@
 </p:sld>
 </file>
 
-<file path=ppt/slides/slide7.xml><?xml version="1.0" encoding="utf-8"?>
+<file path=ppt/slides/slide8.xml><?xml version="1.0" encoding="utf-8"?>
 <p:sld xmlns:a="http://schemas.openxmlformats.org/drawingml/2006/main" xmlns:r="http://schemas.openxmlformats.org/officeDocument/2006/relationships" xmlns:p="http://schemas.openxmlformats.org/presentationml/2006/main">
   <p:cSld>
     <p:bg>
@@ -3845,78 +4301,6 @@
 </p:sld>
 </file>
 
-<file path=ppt/slides/slide8.xml><?xml version="1.0" encoding="utf-8"?>
-<p:sld xmlns:a="http://schemas.openxmlformats.org/drawingml/2006/main" xmlns:r="http://schemas.openxmlformats.org/officeDocument/2006/relationships" xmlns:p="http://schemas.openxmlformats.org/presentationml/2006/main">
-  <p:cSld>
-    <p:bg>
-      <p:bgPr>
-        <a:solidFill>
-          <a:srgbClr val="3F51B5"/>
-        </a:solidFill>
-        <a:effectLst/>
-      </p:bgPr>
-    </p:bg>
-    <p:spTree>
-      <p:nvGrpSpPr>
-        <p:cNvPr id="1" name=""/>
-        <p:cNvGrpSpPr/>
-        <p:nvPr/>
-      </p:nvGrpSpPr>
-      <p:grpSpPr>
-        <a:xfrm>
-          <a:off x="0" y="0"/>
-          <a:ext cx="0" cy="0"/>
-          <a:chOff x="0" y="0"/>
-          <a:chExt cx="0" cy="0"/>
-        </a:xfrm>
-      </p:grpSpPr>
-      <p:sp>
-        <p:nvSpPr>
-          <p:cNvPr id="6" name="Title 1"/>
-          <p:cNvSpPr>
-            <a:spLocks noGrp="1"/>
-          </p:cNvSpPr>
-          <p:nvPr>
-            <p:ph type="ctrTitle"/>
-          </p:nvPr>
-        </p:nvSpPr>
-        <p:spPr>
-          <a:xfrm>
-            <a:off x="1524000" y="2607632"/>
-            <a:ext cx="9173378" cy="1642737"/>
-          </a:xfrm>
-        </p:spPr>
-        <p:txBody>
-          <a:bodyPr>
-            <a:normAutofit/>
-          </a:bodyPr>
-          <a:lstStyle/>
-          <a:p>
-            <a:r>
-              <a:rPr lang="en-US" sz="9600" dirty="0">
-                <a:solidFill>
-                  <a:schemeClr val="bg1"/>
-                </a:solidFill>
-                <a:latin typeface="Impact" panose="020B0806030902050204" pitchFamily="34" charset="0"/>
-              </a:rPr>
-              <a:t>COMPOSITE</a:t>
-            </a:r>
-          </a:p>
-        </p:txBody>
-      </p:sp>
-    </p:spTree>
-    <p:extLst>
-      <p:ext uri="{BB962C8B-B14F-4D97-AF65-F5344CB8AC3E}">
-        <p14:creationId xmlns:p14="http://schemas.microsoft.com/office/powerpoint/2010/main" val="1366866144"/>
-      </p:ext>
-    </p:extLst>
-  </p:cSld>
-  <p:clrMapOvr>
-    <a:masterClrMapping/>
-  </p:clrMapOvr>
-</p:sld>
-</file>
-
 <file path=ppt/slides/slide9.xml><?xml version="1.0" encoding="utf-8"?>
 <p:sld xmlns:a="http://schemas.openxmlformats.org/drawingml/2006/main" xmlns:r="http://schemas.openxmlformats.org/officeDocument/2006/relationships" xmlns:p="http://schemas.openxmlformats.org/presentationml/2006/main">
   <p:cSld>
@@ -3944,8 +4328,8 @@
       </p:grpSpPr>
       <p:sp>
         <p:nvSpPr>
-          <p:cNvPr id="4" name="Title 3"/>
-          <p:cNvSpPr txBox="1">
+          <p:cNvPr id="6" name="Title 1"/>
+          <p:cNvSpPr>
             <a:spLocks noGrp="1"/>
           </p:cNvSpPr>
           <p:nvPr>
@@ -3954,42 +4338,32 @@
         </p:nvSpPr>
         <p:spPr>
           <a:xfrm>
-            <a:off x="1524000" y="2496437"/>
-            <a:ext cx="9144000" cy="1865126"/>
+            <a:off x="1524000" y="2607632"/>
+            <a:ext cx="9173378" cy="1642737"/>
           </a:xfrm>
-          <a:prstGeom prst="rect">
-            <a:avLst/>
-          </a:prstGeom>
-          <a:noFill/>
         </p:spPr>
         <p:txBody>
-          <a:bodyPr wrap="square" rtlCol="0">
-            <a:spAutoFit/>
+          <a:bodyPr>
+            <a:normAutofit/>
           </a:bodyPr>
           <a:lstStyle/>
           <a:p>
             <a:r>
-              <a:rPr lang="en-US" sz="3200" dirty="0">
+              <a:rPr lang="en-US" sz="9600" dirty="0">
                 <a:solidFill>
                   <a:schemeClr val="bg1"/>
                 </a:solidFill>
                 <a:latin typeface="Impact" panose="020B0806030902050204" pitchFamily="34" charset="0"/>
               </a:rPr>
-              <a:t>Compose objects into tree structures to represent whole-part hierarchies. Composite lets clients treat individual objects and compositions of objects uniformly.</a:t>
-            </a:r>
-            <a:endParaRPr lang="en-US" sz="3200" dirty="0">
-              <a:solidFill>
-                <a:schemeClr val="bg1"/>
-              </a:solidFill>
-              <a:latin typeface="Impact" panose="020B0806030902050204" pitchFamily="34" charset="0"/>
-            </a:endParaRPr>
+              <a:t>COMPOSITE</a:t>
+            </a:r>
           </a:p>
         </p:txBody>
       </p:sp>
     </p:spTree>
     <p:extLst>
       <p:ext uri="{BB962C8B-B14F-4D97-AF65-F5344CB8AC3E}">
-        <p14:creationId xmlns:p14="http://schemas.microsoft.com/office/powerpoint/2010/main" val="4097224913"/>
+        <p14:creationId xmlns:p14="http://schemas.microsoft.com/office/powerpoint/2010/main" val="1366866144"/>
       </p:ext>
     </p:extLst>
   </p:cSld>
